--- a/topic09/talk-3/cleanarch.pptx
+++ b/topic09/talk-3/cleanarch.pptx
@@ -1135,7 +1135,7 @@
           <a:p>
             <a:fld id="{1D198F65-CF10-4297-A445-DA7FF4B169B7}" type="datetimeFigureOut">
               <a:rPr lang="en-IE" smtClean="0"/>
-              <a:t>21/03/2023</a:t>
+              <a:t>23/03/2023</a:t>
             </a:fld>
             <a:endParaRPr lang="en-IE"/>
           </a:p>
@@ -3405,7 +3405,7 @@
           <a:p>
             <a:fld id="{C1691109-F4F8-4597-962C-A4F4B7960636}" type="datetimeFigureOut">
               <a:rPr lang="en-US" smtClean="0"/>
-              <a:t>3/21/2023</a:t>
+              <a:t>3/23/2023</a:t>
             </a:fld>
             <a:endParaRPr lang="en-US"/>
           </a:p>
@@ -3603,7 +3603,7 @@
           <a:p>
             <a:fld id="{C1691109-F4F8-4597-962C-A4F4B7960636}" type="datetimeFigureOut">
               <a:rPr lang="en-US" smtClean="0"/>
-              <a:t>3/21/2023</a:t>
+              <a:t>3/23/2023</a:t>
             </a:fld>
             <a:endParaRPr lang="en-US"/>
           </a:p>
@@ -3813,7 +3813,7 @@
           <a:p>
             <a:fld id="{C1691109-F4F8-4597-962C-A4F4B7960636}" type="datetimeFigureOut">
               <a:rPr lang="en-US" smtClean="0"/>
-              <a:t>3/21/2023</a:t>
+              <a:t>3/23/2023</a:t>
             </a:fld>
             <a:endParaRPr lang="en-US"/>
           </a:p>
@@ -4011,7 +4011,7 @@
           <a:p>
             <a:fld id="{C1691109-F4F8-4597-962C-A4F4B7960636}" type="datetimeFigureOut">
               <a:rPr lang="en-US" smtClean="0"/>
-              <a:t>3/21/2023</a:t>
+              <a:t>3/23/2023</a:t>
             </a:fld>
             <a:endParaRPr lang="en-US"/>
           </a:p>
@@ -4289,7 +4289,7 @@
           <a:p>
             <a:fld id="{C1691109-F4F8-4597-962C-A4F4B7960636}" type="datetimeFigureOut">
               <a:rPr lang="en-US" smtClean="0"/>
-              <a:t>3/21/2023</a:t>
+              <a:t>3/23/2023</a:t>
             </a:fld>
             <a:endParaRPr lang="en-US"/>
           </a:p>
@@ -4556,7 +4556,7 @@
           <a:p>
             <a:fld id="{C1691109-F4F8-4597-962C-A4F4B7960636}" type="datetimeFigureOut">
               <a:rPr lang="en-US" smtClean="0"/>
-              <a:t>3/21/2023</a:t>
+              <a:t>3/23/2023</a:t>
             </a:fld>
             <a:endParaRPr lang="en-US"/>
           </a:p>
@@ -4968,7 +4968,7 @@
           <a:p>
             <a:fld id="{C1691109-F4F8-4597-962C-A4F4B7960636}" type="datetimeFigureOut">
               <a:rPr lang="en-US" smtClean="0"/>
-              <a:t>3/21/2023</a:t>
+              <a:t>3/23/2023</a:t>
             </a:fld>
             <a:endParaRPr lang="en-US"/>
           </a:p>
@@ -5081,7 +5081,7 @@
           <a:p>
             <a:fld id="{C1691109-F4F8-4597-962C-A4F4B7960636}" type="datetimeFigureOut">
               <a:rPr lang="en-US" smtClean="0"/>
-              <a:t>3/21/2023</a:t>
+              <a:t>3/23/2023</a:t>
             </a:fld>
             <a:endParaRPr lang="en-US"/>
           </a:p>
@@ -6574,7 +6574,7 @@
           <a:p>
             <a:fld id="{C1691109-F4F8-4597-962C-A4F4B7960636}" type="datetimeFigureOut">
               <a:rPr lang="en-US" smtClean="0"/>
-              <a:t>3/21/2023</a:t>
+              <a:t>3/23/2023</a:t>
             </a:fld>
             <a:endParaRPr lang="en-US"/>
           </a:p>
@@ -6891,7 +6891,7 @@
           <a:p>
             <a:fld id="{C1691109-F4F8-4597-962C-A4F4B7960636}" type="datetimeFigureOut">
               <a:rPr lang="en-US" smtClean="0"/>
-              <a:t>3/21/2023</a:t>
+              <a:t>3/23/2023</a:t>
             </a:fld>
             <a:endParaRPr lang="en-US"/>
           </a:p>
@@ -7187,7 +7187,7 @@
           <a:p>
             <a:fld id="{C1691109-F4F8-4597-962C-A4F4B7960636}" type="datetimeFigureOut">
               <a:rPr lang="en-US" smtClean="0"/>
-              <a:t>3/21/2023</a:t>
+              <a:t>3/23/2023</a:t>
             </a:fld>
             <a:endParaRPr lang="en-US"/>
           </a:p>
@@ -8709,7 +8709,7 @@
           <a:p>
             <a:fld id="{C1691109-F4F8-4597-962C-A4F4B7960636}" type="datetimeFigureOut">
               <a:rPr lang="en-US" smtClean="0"/>
-              <a:t>3/21/2023</a:t>
+              <a:t>3/23/2023</a:t>
             </a:fld>
             <a:endParaRPr lang="en-US"/>
           </a:p>
@@ -12123,6 +12123,50 @@
           </mc:Fallback>
         </mc:AlternateContent>
       </p:grpSp>
+      <p:sp>
+        <p:nvSpPr>
+          <p:cNvPr id="3" name="TextBox 2">
+            <a:extLst>
+              <a:ext uri="{FF2B5EF4-FFF2-40B4-BE49-F238E27FC236}">
+                <a16:creationId xmlns:a16="http://schemas.microsoft.com/office/drawing/2014/main" id="{14D8434C-217B-6402-405A-B346E2A76A67}"/>
+              </a:ext>
+            </a:extLst>
+          </p:cNvPr>
+          <p:cNvSpPr txBox="1"/>
+          <p:nvPr/>
+        </p:nvSpPr>
+        <p:spPr>
+          <a:xfrm>
+            <a:off x="1727200" y="5858933"/>
+            <a:ext cx="6117637" cy="369332"/>
+          </a:xfrm>
+          <a:prstGeom prst="rect">
+            <a:avLst/>
+          </a:prstGeom>
+          <a:noFill/>
+        </p:spPr>
+        <p:txBody>
+          <a:bodyPr wrap="none" rtlCol="0">
+            <a:spAutoFit/>
+          </a:bodyPr>
+          <a:lstStyle/>
+          <a:p>
+            <a:r>
+              <a:rPr lang="en-IE" dirty="0"/>
+              <a:t>See Example Here: </a:t>
+            </a:r>
+            <a:r>
+              <a:rPr lang="en-IE" b="0" i="0" u="sng" dirty="0">
+                <a:effectLst/>
+                <a:latin typeface="Slack-Lato"/>
+                <a:hlinkClick r:id="rId21"/>
+              </a:rPr>
+              <a:t>https://github.com/fxwalsh/ewd-week9-example.git</a:t>
+            </a:r>
+            <a:endParaRPr lang="en-IE" dirty="0"/>
+          </a:p>
+        </p:txBody>
+      </p:sp>
     </p:spTree>
     <p:extLst>
       <p:ext uri="{BB962C8B-B14F-4D97-AF65-F5344CB8AC3E}">
@@ -13070,8 +13114,8 @@
           </a:extLst>
         </p:spPr>
       </p:pic>
-      <mc:AlternateContent xmlns:mc="http://schemas.openxmlformats.org/markup-compatibility/2006">
-        <mc:Choice xmlns:p14="http://schemas.microsoft.com/office/powerpoint/2010/main" Requires="p14">
+      <mc:AlternateContent xmlns:mc="http://schemas.openxmlformats.org/markup-compatibility/2006" xmlns:p14="http://schemas.microsoft.com/office/powerpoint/2010/main">
+        <mc:Choice Requires="p14">
           <p:contentPart p14:bwMode="auto" r:id="rId4">
             <p14:nvContentPartPr>
               <p14:cNvPr id="8" name="Ink 7">
@@ -13090,7 +13134,7 @@
             </p14:xfrm>
           </p:contentPart>
         </mc:Choice>
-        <mc:Fallback>
+        <mc:Fallback xmlns="">
           <p:pic>
             <p:nvPicPr>
               <p:cNvPr id="8" name="Ink 7">
@@ -13121,8 +13165,8 @@
           </p:pic>
         </mc:Fallback>
       </mc:AlternateContent>
-      <mc:AlternateContent xmlns:mc="http://schemas.openxmlformats.org/markup-compatibility/2006">
-        <mc:Choice xmlns:p14="http://schemas.microsoft.com/office/powerpoint/2010/main" Requires="p14">
+      <mc:AlternateContent xmlns:mc="http://schemas.openxmlformats.org/markup-compatibility/2006" xmlns:p14="http://schemas.microsoft.com/office/powerpoint/2010/main">
+        <mc:Choice Requires="p14">
           <p:contentPart p14:bwMode="auto" r:id="rId6">
             <p14:nvContentPartPr>
               <p14:cNvPr id="9" name="Ink 8">
@@ -13141,7 +13185,7 @@
             </p14:xfrm>
           </p:contentPart>
         </mc:Choice>
-        <mc:Fallback>
+        <mc:Fallback xmlns="">
           <p:pic>
             <p:nvPicPr>
               <p:cNvPr id="9" name="Ink 8">
@@ -13172,8 +13216,8 @@
           </p:pic>
         </mc:Fallback>
       </mc:AlternateContent>
-      <mc:AlternateContent xmlns:mc="http://schemas.openxmlformats.org/markup-compatibility/2006">
-        <mc:Choice xmlns:p14="http://schemas.microsoft.com/office/powerpoint/2010/main" Requires="p14">
+      <mc:AlternateContent xmlns:mc="http://schemas.openxmlformats.org/markup-compatibility/2006" xmlns:p14="http://schemas.microsoft.com/office/powerpoint/2010/main">
+        <mc:Choice Requires="p14">
           <p:contentPart p14:bwMode="auto" r:id="rId8">
             <p14:nvContentPartPr>
               <p14:cNvPr id="10" name="Ink 9">
@@ -13192,7 +13236,7 @@
             </p14:xfrm>
           </p:contentPart>
         </mc:Choice>
-        <mc:Fallback>
+        <mc:Fallback xmlns="">
           <p:pic>
             <p:nvPicPr>
               <p:cNvPr id="10" name="Ink 9">
@@ -13223,8 +13267,8 @@
           </p:pic>
         </mc:Fallback>
       </mc:AlternateContent>
-      <mc:AlternateContent xmlns:mc="http://schemas.openxmlformats.org/markup-compatibility/2006">
-        <mc:Choice xmlns:p14="http://schemas.microsoft.com/office/powerpoint/2010/main" Requires="p14">
+      <mc:AlternateContent xmlns:mc="http://schemas.openxmlformats.org/markup-compatibility/2006" xmlns:p14="http://schemas.microsoft.com/office/powerpoint/2010/main">
+        <mc:Choice Requires="p14">
           <p:contentPart p14:bwMode="auto" r:id="rId10">
             <p14:nvContentPartPr>
               <p14:cNvPr id="11" name="Ink 10">
@@ -13243,7 +13287,7 @@
             </p14:xfrm>
           </p:contentPart>
         </mc:Choice>
-        <mc:Fallback>
+        <mc:Fallback xmlns="">
           <p:pic>
             <p:nvPicPr>
               <p:cNvPr id="11" name="Ink 10">
@@ -13274,8 +13318,8 @@
           </p:pic>
         </mc:Fallback>
       </mc:AlternateContent>
-      <mc:AlternateContent xmlns:mc="http://schemas.openxmlformats.org/markup-compatibility/2006">
-        <mc:Choice xmlns:p14="http://schemas.microsoft.com/office/powerpoint/2010/main" Requires="p14">
+      <mc:AlternateContent xmlns:mc="http://schemas.openxmlformats.org/markup-compatibility/2006" xmlns:p14="http://schemas.microsoft.com/office/powerpoint/2010/main">
+        <mc:Choice Requires="p14">
           <p:contentPart p14:bwMode="auto" r:id="rId12">
             <p14:nvContentPartPr>
               <p14:cNvPr id="12" name="Ink 11">
@@ -13294,7 +13338,7 @@
             </p14:xfrm>
           </p:contentPart>
         </mc:Choice>
-        <mc:Fallback>
+        <mc:Fallback xmlns="">
           <p:pic>
             <p:nvPicPr>
               <p:cNvPr id="12" name="Ink 11">
@@ -13345,8 +13389,8 @@
             <a:chExt cx="52560" cy="452160"/>
           </a:xfrm>
         </p:grpSpPr>
-        <mc:AlternateContent xmlns:mc="http://schemas.openxmlformats.org/markup-compatibility/2006">
-          <mc:Choice xmlns:p14="http://schemas.microsoft.com/office/powerpoint/2010/main" Requires="p14">
+        <mc:AlternateContent xmlns:mc="http://schemas.openxmlformats.org/markup-compatibility/2006" xmlns:p14="http://schemas.microsoft.com/office/powerpoint/2010/main">
+          <mc:Choice Requires="p14">
             <p:contentPart p14:bwMode="auto" r:id="rId14">
               <p14:nvContentPartPr>
                 <p14:cNvPr id="13" name="Ink 12">
@@ -13365,7 +13409,7 @@
               </p14:xfrm>
             </p:contentPart>
           </mc:Choice>
-          <mc:Fallback>
+          <mc:Fallback xmlns="">
             <p:pic>
               <p:nvPicPr>
                 <p:cNvPr id="13" name="Ink 12">
@@ -13396,8 +13440,8 @@
             </p:pic>
           </mc:Fallback>
         </mc:AlternateContent>
-        <mc:AlternateContent xmlns:mc="http://schemas.openxmlformats.org/markup-compatibility/2006">
-          <mc:Choice xmlns:p14="http://schemas.microsoft.com/office/powerpoint/2010/main" Requires="p14">
+        <mc:AlternateContent xmlns:mc="http://schemas.openxmlformats.org/markup-compatibility/2006" xmlns:p14="http://schemas.microsoft.com/office/powerpoint/2010/main">
+          <mc:Choice Requires="p14">
             <p:contentPart p14:bwMode="auto" r:id="rId16">
               <p14:nvContentPartPr>
                 <p14:cNvPr id="14" name="Ink 13">
@@ -13416,7 +13460,7 @@
               </p14:xfrm>
             </p:contentPart>
           </mc:Choice>
-          <mc:Fallback>
+          <mc:Fallback xmlns="">
             <p:pic>
               <p:nvPicPr>
                 <p:cNvPr id="14" name="Ink 13">
@@ -13468,8 +13512,8 @@
             <a:chExt cx="1221840" cy="1423440"/>
           </a:xfrm>
         </p:grpSpPr>
-        <mc:AlternateContent xmlns:mc="http://schemas.openxmlformats.org/markup-compatibility/2006">
-          <mc:Choice xmlns:p14="http://schemas.microsoft.com/office/powerpoint/2010/main" Requires="p14">
+        <mc:AlternateContent xmlns:mc="http://schemas.openxmlformats.org/markup-compatibility/2006" xmlns:p14="http://schemas.microsoft.com/office/powerpoint/2010/main">
+          <mc:Choice Requires="p14">
             <p:contentPart p14:bwMode="auto" r:id="rId18">
               <p14:nvContentPartPr>
                 <p14:cNvPr id="16" name="Ink 15">
@@ -13488,7 +13532,7 @@
               </p14:xfrm>
             </p:contentPart>
           </mc:Choice>
-          <mc:Fallback>
+          <mc:Fallback xmlns="">
             <p:pic>
               <p:nvPicPr>
                 <p:cNvPr id="16" name="Ink 15">
@@ -13519,8 +13563,8 @@
             </p:pic>
           </mc:Fallback>
         </mc:AlternateContent>
-        <mc:AlternateContent xmlns:mc="http://schemas.openxmlformats.org/markup-compatibility/2006">
-          <mc:Choice xmlns:p14="http://schemas.microsoft.com/office/powerpoint/2010/main" Requires="p14">
+        <mc:AlternateContent xmlns:mc="http://schemas.openxmlformats.org/markup-compatibility/2006" xmlns:p14="http://schemas.microsoft.com/office/powerpoint/2010/main">
+          <mc:Choice Requires="p14">
             <p:contentPart p14:bwMode="auto" r:id="rId20">
               <p14:nvContentPartPr>
                 <p14:cNvPr id="17" name="Ink 16">
@@ -13539,7 +13583,7 @@
               </p14:xfrm>
             </p:contentPart>
           </mc:Choice>
-          <mc:Fallback>
+          <mc:Fallback xmlns="">
             <p:pic>
               <p:nvPicPr>
                 <p:cNvPr id="17" name="Ink 16">
@@ -13786,8 +13830,8 @@
           </a:extLst>
         </p:spPr>
       </p:pic>
-      <mc:AlternateContent xmlns:mc="http://schemas.openxmlformats.org/markup-compatibility/2006">
-        <mc:Choice xmlns:p14="http://schemas.microsoft.com/office/powerpoint/2010/main" Requires="p14">
+      <mc:AlternateContent xmlns:mc="http://schemas.openxmlformats.org/markup-compatibility/2006" xmlns:p14="http://schemas.microsoft.com/office/powerpoint/2010/main">
+        <mc:Choice Requires="p14">
           <p:contentPart p14:bwMode="auto" r:id="rId3">
             <p14:nvContentPartPr>
               <p14:cNvPr id="6" name="Ink 5">
@@ -13806,7 +13850,7 @@
             </p14:xfrm>
           </p:contentPart>
         </mc:Choice>
-        <mc:Fallback>
+        <mc:Fallback xmlns="">
           <p:pic>
             <p:nvPicPr>
               <p:cNvPr id="6" name="Ink 5">
@@ -14073,6 +14117,50 @@
           </a:prstGeom>
         </p:spPr>
       </p:pic>
+      <p:sp>
+        <p:nvSpPr>
+          <p:cNvPr id="6" name="TextBox 5">
+            <a:extLst>
+              <a:ext uri="{FF2B5EF4-FFF2-40B4-BE49-F238E27FC236}">
+                <a16:creationId xmlns:a16="http://schemas.microsoft.com/office/drawing/2014/main" id="{C5F196CE-5132-9B5B-1CFF-C21B6C89A4DF}"/>
+              </a:ext>
+            </a:extLst>
+          </p:cNvPr>
+          <p:cNvSpPr txBox="1"/>
+          <p:nvPr/>
+        </p:nvSpPr>
+        <p:spPr>
+          <a:xfrm>
+            <a:off x="1727200" y="5858933"/>
+            <a:ext cx="6564618" cy="369332"/>
+          </a:xfrm>
+          <a:prstGeom prst="rect">
+            <a:avLst/>
+          </a:prstGeom>
+          <a:noFill/>
+        </p:spPr>
+        <p:txBody>
+          <a:bodyPr wrap="none" rtlCol="0">
+            <a:spAutoFit/>
+          </a:bodyPr>
+          <a:lstStyle/>
+          <a:p>
+            <a:r>
+              <a:rPr lang="en-IE" dirty="0"/>
+              <a:t>Code Taken From Example: </a:t>
+            </a:r>
+            <a:r>
+              <a:rPr lang="en-IE" b="0" i="0" u="sng" dirty="0">
+                <a:effectLst/>
+                <a:latin typeface="Slack-Lato"/>
+                <a:hlinkClick r:id="rId6"/>
+              </a:rPr>
+              <a:t>https://github.com/fxwalsh/ewd-week9-example.git</a:t>
+            </a:r>
+            <a:endParaRPr lang="en-IE" dirty="0"/>
+          </a:p>
+        </p:txBody>
+      </p:sp>
     </p:spTree>
     <p:extLst>
       <p:ext uri="{BB962C8B-B14F-4D97-AF65-F5344CB8AC3E}">
